--- a/TAREA FINAL - MLOps Engineering 2024.pptx
+++ b/TAREA FINAL - MLOps Engineering 2024.pptx
@@ -5,17 +5,20 @@
     <p:sldMasterId id="2147483744" r:id="rId4"/>
   </p:sldMasterIdLst>
   <p:notesMasterIdLst>
-    <p:notesMasterId r:id="rId10"/>
+    <p:notesMasterId r:id="rId13"/>
   </p:notesMasterIdLst>
   <p:handoutMasterIdLst>
-    <p:handoutMasterId r:id="rId11"/>
+    <p:handoutMasterId r:id="rId14"/>
   </p:handoutMasterIdLst>
   <p:sldIdLst>
     <p:sldId id="256" r:id="rId5"/>
     <p:sldId id="258" r:id="rId6"/>
     <p:sldId id="275" r:id="rId7"/>
     <p:sldId id="276" r:id="rId8"/>
-    <p:sldId id="274" r:id="rId9"/>
+    <p:sldId id="278" r:id="rId9"/>
+    <p:sldId id="277" r:id="rId10"/>
+    <p:sldId id="279" r:id="rId11"/>
+    <p:sldId id="274" r:id="rId12"/>
   </p:sldIdLst>
   <p:sldSz cx="12192000" cy="6858000"/>
   <p:notesSz cx="6858000" cy="9144000"/>
@@ -232,7 +235,7 @@
             <a:pPr rtl="0"/>
             <a:fld id="{D0E43EA8-C83F-40B4-821D-381469DAC3C5}" type="datetime1">
               <a:rPr lang="es-ES" smtClean="0"/>
-              <a:t>01/05/2024</a:t>
+              <a:t>09/05/2024</a:t>
             </a:fld>
             <a:endParaRPr lang="es-ES"/>
           </a:p>
@@ -414,7 +417,7 @@
             <a:pPr rtl="0"/>
             <a:fld id="{BB196330-F357-4FA5-8E24-14646E9FA556}" type="datetime1">
               <a:rPr lang="es-ES" noProof="0" smtClean="0"/>
-              <a:t>01/05/2024</a:t>
+              <a:t>09/05/2024</a:t>
             </a:fld>
             <a:endParaRPr lang="es-ES" noProof="0"/>
           </a:p>
@@ -924,7 +927,7 @@
             <a:pPr rtl="0"/>
             <a:fld id="{F3544625-0ADF-4414-89A2-9E135F0C849F}" type="slidenum">
               <a:rPr lang="es-ES" smtClean="0"/>
-              <a:t>5</a:t>
+              <a:t>8</a:t>
             </a:fld>
             <a:endParaRPr lang="es-ES"/>
           </a:p>
@@ -1173,7 +1176,7 @@
             <a:pPr rtl="0"/>
             <a:fld id="{DB2FE8E8-091D-478B-96D3-F0BCBE902769}" type="datetime1">
               <a:rPr lang="es-ES" noProof="0" smtClean="0"/>
-              <a:t>01/05/2024</a:t>
+              <a:t>09/05/2024</a:t>
             </a:fld>
             <a:endParaRPr lang="es-ES" noProof="0"/>
           </a:p>
@@ -1511,7 +1514,7 @@
             <a:pPr rtl="0"/>
             <a:fld id="{077E0CED-BF29-4F0C-9AA9-0115D5713A3C}" type="datetime1">
               <a:rPr lang="es-ES" noProof="0" smtClean="0"/>
-              <a:t>01/05/2024</a:t>
+              <a:t>09/05/2024</a:t>
             </a:fld>
             <a:endParaRPr lang="es-ES" noProof="0"/>
           </a:p>
@@ -1793,7 +1796,7 @@
             <a:pPr rtl="0"/>
             <a:fld id="{34F880D4-439E-4610-9C3E-7002ADF72D68}" type="datetime1">
               <a:rPr lang="es-ES" noProof="0" smtClean="0"/>
-              <a:t>01/05/2024</a:t>
+              <a:t>09/05/2024</a:t>
             </a:fld>
             <a:endParaRPr lang="es-ES" noProof="0"/>
           </a:p>
@@ -2365,7 +2368,7 @@
             <a:pPr rtl="0"/>
             <a:fld id="{2D098E11-C3BE-4AEC-91BE-C88C988E8BDB}" type="datetime1">
               <a:rPr lang="es-ES" noProof="0" smtClean="0"/>
-              <a:t>01/05/2024</a:t>
+              <a:t>09/05/2024</a:t>
             </a:fld>
             <a:endParaRPr lang="es-ES" noProof="0"/>
           </a:p>
@@ -2647,7 +2650,7 @@
             <a:pPr rtl="0"/>
             <a:fld id="{EB4B7CB3-EDF5-450E-A384-7B041709A774}" type="datetime1">
               <a:rPr lang="es-ES" noProof="0" smtClean="0"/>
-              <a:t>01/05/2024</a:t>
+              <a:t>09/05/2024</a:t>
             </a:fld>
             <a:endParaRPr lang="es-ES" noProof="0"/>
           </a:p>
@@ -3213,7 +3216,7 @@
             <a:pPr rtl="0"/>
             <a:fld id="{FFE3CB04-8628-4BE2-8D9F-839986C200F3}" type="datetime1">
               <a:rPr lang="es-ES" noProof="0" smtClean="0"/>
-              <a:t>01/05/2024</a:t>
+              <a:t>09/05/2024</a:t>
             </a:fld>
             <a:endParaRPr lang="es-ES" noProof="0"/>
           </a:p>
@@ -3543,7 +3546,7 @@
             <a:pPr rtl="0"/>
             <a:fld id="{49ADF9D5-615E-4B40-B3DA-C7C3E3D8952A}" type="datetime1">
               <a:rPr lang="es-ES" noProof="0" smtClean="0"/>
-              <a:t>01/05/2024</a:t>
+              <a:t>09/05/2024</a:t>
             </a:fld>
             <a:endParaRPr lang="es-ES" noProof="0"/>
           </a:p>
@@ -3751,7 +3754,7 @@
             <a:pPr rtl="0"/>
             <a:fld id="{B62485D5-0708-40FF-87DA-DFD6F1ED03E1}" type="datetime1">
               <a:rPr lang="es-ES" noProof="0" smtClean="0"/>
-              <a:t>01/05/2024</a:t>
+              <a:t>09/05/2024</a:t>
             </a:fld>
             <a:endParaRPr lang="es-ES" noProof="0"/>
           </a:p>
@@ -3963,7 +3966,7 @@
             <a:pPr rtl="0"/>
             <a:fld id="{F15F592F-6928-459D-9C66-BF9E123B0381}" type="datetime1">
               <a:rPr lang="es-ES" noProof="0" smtClean="0"/>
-              <a:t>01/05/2024</a:t>
+              <a:t>09/05/2024</a:t>
             </a:fld>
             <a:endParaRPr lang="es-ES" noProof="0"/>
           </a:p>
@@ -4165,7 +4168,7 @@
             <a:pPr rtl="0"/>
             <a:fld id="{3D295882-27AA-4631-9331-D93597626FFA}" type="datetime1">
               <a:rPr lang="es-ES" noProof="0" smtClean="0"/>
-              <a:t>01/05/2024</a:t>
+              <a:t>09/05/2024</a:t>
             </a:fld>
             <a:endParaRPr lang="es-ES" noProof="0"/>
           </a:p>
@@ -4444,7 +4447,7 @@
             <a:pPr rtl="0"/>
             <a:fld id="{839AA68A-2C9F-4F93-9A12-B546EF9950E3}" type="datetime1">
               <a:rPr lang="es-ES" noProof="0" smtClean="0"/>
-              <a:t>01/05/2024</a:t>
+              <a:t>09/05/2024</a:t>
             </a:fld>
             <a:endParaRPr lang="es-ES" noProof="0"/>
           </a:p>
@@ -4712,7 +4715,7 @@
             <a:pPr rtl="0"/>
             <a:fld id="{744D0B13-414C-489C-BD27-AC542C962F8C}" type="datetime1">
               <a:rPr lang="es-ES" noProof="0" smtClean="0"/>
-              <a:t>01/05/2024</a:t>
+              <a:t>09/05/2024</a:t>
             </a:fld>
             <a:endParaRPr lang="es-ES" noProof="0"/>
           </a:p>
@@ -5087,7 +5090,7 @@
             <a:pPr rtl="0"/>
             <a:fld id="{4795B55D-B831-4E7C-9B5B-10572D70AAC1}" type="datetime1">
               <a:rPr lang="es-ES" noProof="0" smtClean="0"/>
-              <a:t>01/05/2024</a:t>
+              <a:t>09/05/2024</a:t>
             </a:fld>
             <a:endParaRPr lang="es-ES" noProof="0"/>
           </a:p>
@@ -5238,7 +5241,7 @@
             <a:pPr rtl="0"/>
             <a:fld id="{A81EFD60-9F29-4E84-B34D-5A4A32F8F177}" type="datetime1">
               <a:rPr lang="es-ES" noProof="0" smtClean="0"/>
-              <a:t>01/05/2024</a:t>
+              <a:t>09/05/2024</a:t>
             </a:fld>
             <a:endParaRPr lang="es-ES" noProof="0"/>
           </a:p>
@@ -5366,7 +5369,7 @@
             <a:pPr rtl="0"/>
             <a:fld id="{EFC432DC-30D4-485D-908A-88BDD16BF582}" type="datetime1">
               <a:rPr lang="es-ES" noProof="0" smtClean="0"/>
-              <a:t>01/05/2024</a:t>
+              <a:t>09/05/2024</a:t>
             </a:fld>
             <a:endParaRPr lang="es-ES" noProof="0"/>
           </a:p>
@@ -5653,7 +5656,7 @@
             <a:pPr rtl="0"/>
             <a:fld id="{D08C6E3D-7AEB-4E32-A201-6C2FD4755C7B}" type="datetime1">
               <a:rPr lang="es-ES" noProof="0" smtClean="0"/>
-              <a:t>01/05/2024</a:t>
+              <a:t>09/05/2024</a:t>
             </a:fld>
             <a:endParaRPr lang="es-ES" noProof="0"/>
           </a:p>
@@ -5981,7 +5984,7 @@
             <a:pPr rtl="0"/>
             <a:fld id="{63369E75-D520-456D-AA7B-A5719B0A1CFB}" type="datetime1">
               <a:rPr lang="es-ES" noProof="0" smtClean="0"/>
-              <a:t>01/05/2024</a:t>
+              <a:t>09/05/2024</a:t>
             </a:fld>
             <a:endParaRPr lang="es-ES" noProof="0"/>
           </a:p>
@@ -6198,7 +6201,7 @@
             <a:pPr rtl="0"/>
             <a:fld id="{D4FAD132-1BC9-40CE-BE05-559C781AA0B0}" type="datetime1">
               <a:rPr lang="es-ES" noProof="0" smtClean="0"/>
-              <a:t>01/05/2024</a:t>
+              <a:t>09/05/2024</a:t>
             </a:fld>
             <a:endParaRPr lang="es-ES" noProof="0" dirty="0"/>
           </a:p>
@@ -16637,7 +16640,7 @@
                   <a:schemeClr val="tx1"/>
                 </a:solidFill>
               </a:rPr>
-              <a:t>Nota: la respuesta se genera con un mensaje (pregunta) y un template (donde personalizo el tipo de instrucción). En este caso se personalizó como un ejecutivo de créditos.</a:t>
+              <a:t>Nota: La respuesta se genera con un mensaje (pregunta) y un template (donde personalizo el tipo de instrucción). En este caso, se personalizó como un ejecutivo de créditos.</a:t>
             </a:r>
             <a:endParaRPr lang="es-CL" dirty="0">
               <a:solidFill>
@@ -16794,6 +16797,1019 @@
 </file>
 
 <file path=ppt/slides/slide5.xml><?xml version="1.0" encoding="utf-8"?>
+<p:sld xmlns:a="http://schemas.openxmlformats.org/drawingml/2006/main" xmlns:r="http://schemas.openxmlformats.org/officeDocument/2006/relationships" xmlns:p="http://schemas.openxmlformats.org/presentationml/2006/main">
+  <p:cSld>
+    <p:spTree>
+      <p:nvGrpSpPr>
+        <p:cNvPr id="1" name=""/>
+        <p:cNvGrpSpPr/>
+        <p:nvPr/>
+      </p:nvGrpSpPr>
+      <p:grpSpPr>
+        <a:xfrm>
+          <a:off x="0" y="0"/>
+          <a:ext cx="0" cy="0"/>
+          <a:chOff x="0" y="0"/>
+          <a:chExt cx="0" cy="0"/>
+        </a:xfrm>
+      </p:grpSpPr>
+      <p:sp>
+        <p:nvSpPr>
+          <p:cNvPr id="2" name="Título 1">
+            <a:extLst>
+              <a:ext uri="{FF2B5EF4-FFF2-40B4-BE49-F238E27FC236}">
+                <a16:creationId xmlns:a16="http://schemas.microsoft.com/office/drawing/2014/main" id="{8CCE0B5B-126E-75F9-B074-1E4EB26F54C4}"/>
+              </a:ext>
+            </a:extLst>
+          </p:cNvPr>
+          <p:cNvSpPr>
+            <a:spLocks noGrp="1"/>
+          </p:cNvSpPr>
+          <p:nvPr>
+            <p:ph type="title"/>
+          </p:nvPr>
+        </p:nvSpPr>
+        <p:spPr>
+          <a:xfrm>
+            <a:off x="480318" y="196924"/>
+            <a:ext cx="10131425" cy="643846"/>
+          </a:xfrm>
+        </p:spPr>
+        <p:txBody>
+          <a:bodyPr/>
+          <a:lstStyle/>
+          <a:p>
+            <a:r>
+              <a:rPr lang="es-MX" b="1" dirty="0">
+                <a:effectLst>
+                  <a:outerShdw blurRad="38100" dist="38100" dir="2700000" algn="tl">
+                    <a:srgbClr val="000000">
+                      <a:alpha val="43137"/>
+                    </a:srgbClr>
+                  </a:outerShdw>
+                </a:effectLst>
+              </a:rPr>
+              <a:t>API</a:t>
+            </a:r>
+            <a:endParaRPr lang="es-CL" b="1" dirty="0">
+              <a:effectLst>
+                <a:outerShdw blurRad="38100" dist="38100" dir="2700000" algn="tl">
+                  <a:srgbClr val="000000">
+                    <a:alpha val="43137"/>
+                  </a:srgbClr>
+                </a:outerShdw>
+              </a:effectLst>
+            </a:endParaRPr>
+          </a:p>
+        </p:txBody>
+      </p:sp>
+      <p:sp>
+        <p:nvSpPr>
+          <p:cNvPr id="4" name="CuadroTexto 3">
+            <a:extLst>
+              <a:ext uri="{FF2B5EF4-FFF2-40B4-BE49-F238E27FC236}">
+                <a16:creationId xmlns:a16="http://schemas.microsoft.com/office/drawing/2014/main" id="{232F6632-40BE-1650-0E74-80815EEFDE5B}"/>
+              </a:ext>
+            </a:extLst>
+          </p:cNvPr>
+          <p:cNvSpPr txBox="1"/>
+          <p:nvPr/>
+        </p:nvSpPr>
+        <p:spPr>
+          <a:xfrm>
+            <a:off x="480318" y="1042827"/>
+            <a:ext cx="11170576" cy="7109639"/>
+          </a:xfrm>
+          <a:prstGeom prst="rect">
+            <a:avLst/>
+          </a:prstGeom>
+          <a:noFill/>
+        </p:spPr>
+        <p:txBody>
+          <a:bodyPr wrap="square" rtlCol="0">
+            <a:spAutoFit/>
+          </a:bodyPr>
+          <a:lstStyle/>
+          <a:p>
+            <a:r>
+              <a:rPr lang="es-MX" sz="2400" dirty="0"/>
+              <a:t>Creamos una  API con FASTAPI (</a:t>
+            </a:r>
+            <a:r>
+              <a:rPr lang="es-MX" sz="2400" dirty="0" err="1"/>
+              <a:t>framework</a:t>
+            </a:r>
+            <a:r>
+              <a:rPr lang="es-MX" sz="2400" dirty="0"/>
+              <a:t> moderno), herramienta que permite construir de forma eficiente y rápida en </a:t>
+            </a:r>
+            <a:r>
+              <a:rPr lang="es-MX" sz="2400" dirty="0" err="1"/>
+              <a:t>Phyton</a:t>
+            </a:r>
+            <a:r>
+              <a:rPr lang="es-MX" sz="2400" dirty="0"/>
+              <a:t>.</a:t>
+            </a:r>
+          </a:p>
+          <a:p>
+            <a:endParaRPr lang="es-MX" sz="2400" dirty="0"/>
+          </a:p>
+          <a:p>
+            <a:r>
+              <a:rPr lang="es-MX" sz="2400" dirty="0"/>
+              <a:t>La Api presenta 3 componentes principales:</a:t>
+            </a:r>
+          </a:p>
+          <a:p>
+            <a:endParaRPr lang="es-MX" sz="2400" dirty="0"/>
+          </a:p>
+          <a:p>
+            <a:pPr marL="457200" indent="-457200">
+              <a:buFont typeface="+mj-lt"/>
+              <a:buAutoNum type="arabicPeriod"/>
+            </a:pPr>
+            <a:r>
+              <a:rPr lang="es-MX" sz="2400" dirty="0"/>
+              <a:t>La creación de la API.</a:t>
+            </a:r>
+          </a:p>
+          <a:p>
+            <a:pPr marL="457200" indent="-457200">
+              <a:buFont typeface="+mj-lt"/>
+              <a:buAutoNum type="arabicPeriod"/>
+            </a:pPr>
+            <a:endParaRPr lang="es-MX" sz="2400" dirty="0"/>
+          </a:p>
+          <a:p>
+            <a:pPr marL="457200" indent="-457200">
+              <a:buFont typeface="+mj-lt"/>
+              <a:buAutoNum type="arabicPeriod"/>
+            </a:pPr>
+            <a:r>
+              <a:rPr lang="es-MX" sz="2400" dirty="0"/>
+              <a:t>Los </a:t>
+            </a:r>
+            <a:r>
+              <a:rPr lang="es-MX" sz="2400" dirty="0" err="1"/>
+              <a:t>endpoint</a:t>
+            </a:r>
+            <a:r>
+              <a:rPr lang="es-MX" sz="2400" dirty="0"/>
+              <a:t> o direcciones.</a:t>
+            </a:r>
+          </a:p>
+          <a:p>
+            <a:pPr marL="457200" indent="-457200">
+              <a:buFont typeface="+mj-lt"/>
+              <a:buAutoNum type="arabicPeriod"/>
+            </a:pPr>
+            <a:endParaRPr lang="es-MX" sz="2400" dirty="0"/>
+          </a:p>
+          <a:p>
+            <a:pPr marL="457200" indent="-457200">
+              <a:buFont typeface="+mj-lt"/>
+              <a:buAutoNum type="arabicPeriod"/>
+            </a:pPr>
+            <a:r>
+              <a:rPr lang="es-MX" sz="2400" dirty="0"/>
+              <a:t>Levantamiento del servidor web.</a:t>
+            </a:r>
+          </a:p>
+          <a:p>
+            <a:pPr marL="457200" indent="-457200">
+              <a:buFont typeface="+mj-lt"/>
+              <a:buAutoNum type="arabicPeriod"/>
+            </a:pPr>
+            <a:endParaRPr lang="es-MX" sz="2400" dirty="0"/>
+          </a:p>
+          <a:p>
+            <a:pPr marL="457200" indent="-457200">
+              <a:buFont typeface="+mj-lt"/>
+              <a:buAutoNum type="arabicPeriod"/>
+            </a:pPr>
+            <a:endParaRPr lang="es-MX" sz="2400" dirty="0"/>
+          </a:p>
+          <a:p>
+            <a:endParaRPr lang="es-MX" sz="2400" dirty="0"/>
+          </a:p>
+          <a:p>
+            <a:endParaRPr lang="es-MX" sz="2400" dirty="0"/>
+          </a:p>
+          <a:p>
+            <a:endParaRPr lang="es-MX" sz="2400" dirty="0"/>
+          </a:p>
+          <a:p>
+            <a:endParaRPr lang="es-MX" sz="2400" dirty="0"/>
+          </a:p>
+          <a:p>
+            <a:endParaRPr lang="es-MX" sz="2400" dirty="0"/>
+          </a:p>
+          <a:p>
+            <a:endParaRPr lang="es-MX" sz="2400" dirty="0"/>
+          </a:p>
+          <a:p>
+            <a:r>
+              <a:rPr lang="es-MX" sz="2400" dirty="0"/>
+              <a:t> </a:t>
+            </a:r>
+            <a:endParaRPr lang="es-CL" sz="2400" dirty="0"/>
+          </a:p>
+        </p:txBody>
+      </p:sp>
+    </p:spTree>
+    <p:extLst>
+      <p:ext uri="{BB962C8B-B14F-4D97-AF65-F5344CB8AC3E}">
+        <p14:creationId xmlns:p14="http://schemas.microsoft.com/office/powerpoint/2010/main" val="2616780402"/>
+      </p:ext>
+    </p:extLst>
+  </p:cSld>
+  <p:clrMapOvr>
+    <a:masterClrMapping/>
+  </p:clrMapOvr>
+</p:sld>
+</file>
+
+<file path=ppt/slides/slide6.xml><?xml version="1.0" encoding="utf-8"?>
+<p:sld xmlns:a="http://schemas.openxmlformats.org/drawingml/2006/main" xmlns:r="http://schemas.openxmlformats.org/officeDocument/2006/relationships" xmlns:p="http://schemas.openxmlformats.org/presentationml/2006/main">
+  <p:cSld>
+    <p:spTree>
+      <p:nvGrpSpPr>
+        <p:cNvPr id="1" name=""/>
+        <p:cNvGrpSpPr/>
+        <p:nvPr/>
+      </p:nvGrpSpPr>
+      <p:grpSpPr>
+        <a:xfrm>
+          <a:off x="0" y="0"/>
+          <a:ext cx="0" cy="0"/>
+          <a:chOff x="0" y="0"/>
+          <a:chExt cx="0" cy="0"/>
+        </a:xfrm>
+      </p:grpSpPr>
+      <p:sp>
+        <p:nvSpPr>
+          <p:cNvPr id="2" name="Título 1">
+            <a:extLst>
+              <a:ext uri="{FF2B5EF4-FFF2-40B4-BE49-F238E27FC236}">
+                <a16:creationId xmlns:a16="http://schemas.microsoft.com/office/drawing/2014/main" id="{8CCE0B5B-126E-75F9-B074-1E4EB26F54C4}"/>
+              </a:ext>
+            </a:extLst>
+          </p:cNvPr>
+          <p:cNvSpPr>
+            <a:spLocks noGrp="1"/>
+          </p:cNvSpPr>
+          <p:nvPr>
+            <p:ph type="title"/>
+          </p:nvPr>
+        </p:nvSpPr>
+        <p:spPr>
+          <a:xfrm>
+            <a:off x="480318" y="248385"/>
+            <a:ext cx="10131425" cy="643846"/>
+          </a:xfrm>
+        </p:spPr>
+        <p:txBody>
+          <a:bodyPr/>
+          <a:lstStyle/>
+          <a:p>
+            <a:r>
+              <a:rPr lang="es-MX" b="1" dirty="0">
+                <a:effectLst>
+                  <a:outerShdw blurRad="38100" dist="38100" dir="2700000" algn="tl">
+                    <a:srgbClr val="000000">
+                      <a:alpha val="43137"/>
+                    </a:srgbClr>
+                  </a:outerShdw>
+                </a:effectLst>
+              </a:rPr>
+              <a:t>API</a:t>
+            </a:r>
+            <a:endParaRPr lang="es-CL" b="1" dirty="0">
+              <a:effectLst>
+                <a:outerShdw blurRad="38100" dist="38100" dir="2700000" algn="tl">
+                  <a:srgbClr val="000000">
+                    <a:alpha val="43137"/>
+                  </a:srgbClr>
+                </a:outerShdw>
+              </a:effectLst>
+            </a:endParaRPr>
+          </a:p>
+        </p:txBody>
+      </p:sp>
+      <p:cxnSp>
+        <p:nvCxnSpPr>
+          <p:cNvPr id="7" name="Conector recto de flecha 6">
+            <a:extLst>
+              <a:ext uri="{FF2B5EF4-FFF2-40B4-BE49-F238E27FC236}">
+                <a16:creationId xmlns:a16="http://schemas.microsoft.com/office/drawing/2014/main" id="{2E7C11A0-C1E0-D207-1E8C-89B2EECA611E}"/>
+              </a:ext>
+            </a:extLst>
+          </p:cNvPr>
+          <p:cNvCxnSpPr>
+            <a:cxnSpLocks/>
+          </p:cNvCxnSpPr>
+          <p:nvPr/>
+        </p:nvCxnSpPr>
+        <p:spPr>
+          <a:xfrm>
+            <a:off x="6777228" y="2743197"/>
+            <a:ext cx="1403278" cy="0"/>
+          </a:xfrm>
+          <a:prstGeom prst="straightConnector1">
+            <a:avLst/>
+          </a:prstGeom>
+          <a:ln>
+            <a:tailEnd type="triangle"/>
+          </a:ln>
+        </p:spPr>
+        <p:style>
+          <a:lnRef idx="3">
+            <a:schemeClr val="accent2"/>
+          </a:lnRef>
+          <a:fillRef idx="0">
+            <a:schemeClr val="accent2"/>
+          </a:fillRef>
+          <a:effectRef idx="2">
+            <a:schemeClr val="accent2"/>
+          </a:effectRef>
+          <a:fontRef idx="minor">
+            <a:schemeClr val="tx1"/>
+          </a:fontRef>
+        </p:style>
+      </p:cxnSp>
+      <p:cxnSp>
+        <p:nvCxnSpPr>
+          <p:cNvPr id="8" name="Conector recto de flecha 7">
+            <a:extLst>
+              <a:ext uri="{FF2B5EF4-FFF2-40B4-BE49-F238E27FC236}">
+                <a16:creationId xmlns:a16="http://schemas.microsoft.com/office/drawing/2014/main" id="{CD6485D8-EC61-3A74-F4F7-0DB9B4D60246}"/>
+              </a:ext>
+            </a:extLst>
+          </p:cNvPr>
+          <p:cNvCxnSpPr>
+            <a:cxnSpLocks/>
+          </p:cNvCxnSpPr>
+          <p:nvPr/>
+        </p:nvCxnSpPr>
+        <p:spPr>
+          <a:xfrm>
+            <a:off x="6725857" y="4021286"/>
+            <a:ext cx="1454649" cy="0"/>
+          </a:xfrm>
+          <a:prstGeom prst="straightConnector1">
+            <a:avLst/>
+          </a:prstGeom>
+          <a:ln>
+            <a:tailEnd type="triangle"/>
+          </a:ln>
+        </p:spPr>
+        <p:style>
+          <a:lnRef idx="3">
+            <a:schemeClr val="accent2"/>
+          </a:lnRef>
+          <a:fillRef idx="0">
+            <a:schemeClr val="accent2"/>
+          </a:fillRef>
+          <a:effectRef idx="2">
+            <a:schemeClr val="accent2"/>
+          </a:effectRef>
+          <a:fontRef idx="minor">
+            <a:schemeClr val="tx1"/>
+          </a:fontRef>
+        </p:style>
+      </p:cxnSp>
+      <p:cxnSp>
+        <p:nvCxnSpPr>
+          <p:cNvPr id="15" name="Conector recto de flecha 14">
+            <a:extLst>
+              <a:ext uri="{FF2B5EF4-FFF2-40B4-BE49-F238E27FC236}">
+                <a16:creationId xmlns:a16="http://schemas.microsoft.com/office/drawing/2014/main" id="{A8522477-D975-E6FB-1B70-12FF21CF79D8}"/>
+              </a:ext>
+            </a:extLst>
+          </p:cNvPr>
+          <p:cNvCxnSpPr>
+            <a:cxnSpLocks/>
+          </p:cNvCxnSpPr>
+          <p:nvPr/>
+        </p:nvCxnSpPr>
+        <p:spPr>
+          <a:xfrm>
+            <a:off x="6569468" y="5270641"/>
+            <a:ext cx="1454649" cy="0"/>
+          </a:xfrm>
+          <a:prstGeom prst="straightConnector1">
+            <a:avLst/>
+          </a:prstGeom>
+          <a:ln>
+            <a:tailEnd type="triangle"/>
+          </a:ln>
+        </p:spPr>
+        <p:style>
+          <a:lnRef idx="3">
+            <a:schemeClr val="accent2"/>
+          </a:lnRef>
+          <a:fillRef idx="0">
+            <a:schemeClr val="accent2"/>
+          </a:fillRef>
+          <a:effectRef idx="2">
+            <a:schemeClr val="accent2"/>
+          </a:effectRef>
+          <a:fontRef idx="minor">
+            <a:schemeClr val="tx1"/>
+          </a:fontRef>
+        </p:style>
+      </p:cxnSp>
+      <p:sp>
+        <p:nvSpPr>
+          <p:cNvPr id="16" name="CuadroTexto 15">
+            <a:extLst>
+              <a:ext uri="{FF2B5EF4-FFF2-40B4-BE49-F238E27FC236}">
+                <a16:creationId xmlns:a16="http://schemas.microsoft.com/office/drawing/2014/main" id="{C63A3DD4-5108-F9F0-D9BE-1D14A33C113A}"/>
+              </a:ext>
+            </a:extLst>
+          </p:cNvPr>
+          <p:cNvSpPr txBox="1"/>
+          <p:nvPr/>
+        </p:nvSpPr>
+        <p:spPr>
+          <a:xfrm>
+            <a:off x="8360884" y="2547941"/>
+            <a:ext cx="3000054" cy="369332"/>
+          </a:xfrm>
+          <a:prstGeom prst="rect">
+            <a:avLst/>
+          </a:prstGeom>
+        </p:spPr>
+        <p:style>
+          <a:lnRef idx="2">
+            <a:schemeClr val="accent2">
+              <a:shade val="15000"/>
+            </a:schemeClr>
+          </a:lnRef>
+          <a:fillRef idx="1">
+            <a:schemeClr val="accent2"/>
+          </a:fillRef>
+          <a:effectRef idx="0">
+            <a:schemeClr val="accent2"/>
+          </a:effectRef>
+          <a:fontRef idx="minor">
+            <a:schemeClr val="lt1"/>
+          </a:fontRef>
+        </p:style>
+        <p:txBody>
+          <a:bodyPr wrap="square" rtlCol="0">
+            <a:spAutoFit/>
+          </a:bodyPr>
+          <a:lstStyle/>
+          <a:p>
+            <a:pPr algn="ctr"/>
+            <a:r>
+              <a:rPr lang="es-MX" dirty="0"/>
+              <a:t>Creación de la API</a:t>
+            </a:r>
+            <a:endParaRPr lang="es-CL" dirty="0"/>
+          </a:p>
+        </p:txBody>
+      </p:sp>
+      <p:sp>
+        <p:nvSpPr>
+          <p:cNvPr id="17" name="CuadroTexto 16">
+            <a:extLst>
+              <a:ext uri="{FF2B5EF4-FFF2-40B4-BE49-F238E27FC236}">
+                <a16:creationId xmlns:a16="http://schemas.microsoft.com/office/drawing/2014/main" id="{B77FC84C-8E97-DDE2-EB34-08121D9723E2}"/>
+              </a:ext>
+            </a:extLst>
+          </p:cNvPr>
+          <p:cNvSpPr txBox="1"/>
+          <p:nvPr/>
+        </p:nvSpPr>
+        <p:spPr>
+          <a:xfrm>
+            <a:off x="357028" y="5922278"/>
+            <a:ext cx="10860212" cy="646331"/>
+          </a:xfrm>
+          <a:prstGeom prst="rect">
+            <a:avLst/>
+          </a:prstGeom>
+          <a:noFill/>
+        </p:spPr>
+        <p:style>
+          <a:lnRef idx="2">
+            <a:schemeClr val="accent6"/>
+          </a:lnRef>
+          <a:fillRef idx="1">
+            <a:schemeClr val="lt1"/>
+          </a:fillRef>
+          <a:effectRef idx="0">
+            <a:schemeClr val="accent6"/>
+          </a:effectRef>
+          <a:fontRef idx="minor">
+            <a:schemeClr val="dk1"/>
+          </a:fontRef>
+        </p:style>
+        <p:txBody>
+          <a:bodyPr wrap="square" rtlCol="0">
+            <a:spAutoFit/>
+          </a:bodyPr>
+          <a:lstStyle/>
+          <a:p>
+            <a:pPr algn="ctr"/>
+            <a:r>
+              <a:rPr lang="es-MX" dirty="0">
+                <a:solidFill>
+                  <a:schemeClr val="tx1"/>
+                </a:solidFill>
+              </a:rPr>
+              <a:t>Nota: La @app.get (consulta), es la que nos permite enlazar la pregunta escrita en la API (web) con nuestro modelo de </a:t>
+            </a:r>
+            <a:r>
+              <a:rPr lang="es-MX" dirty="0" err="1">
+                <a:solidFill>
+                  <a:schemeClr val="tx1"/>
+                </a:solidFill>
+              </a:rPr>
+              <a:t>Chatbox</a:t>
+            </a:r>
+            <a:r>
+              <a:rPr lang="es-MX" dirty="0">
+                <a:solidFill>
+                  <a:schemeClr val="tx1"/>
+                </a:solidFill>
+              </a:rPr>
+              <a:t>. En esta misma dirección tendremos la respuesta a la pregunta (response).</a:t>
+            </a:r>
+            <a:endParaRPr lang="es-CL" dirty="0">
+              <a:solidFill>
+                <a:schemeClr val="tx1"/>
+              </a:solidFill>
+            </a:endParaRPr>
+          </a:p>
+        </p:txBody>
+      </p:sp>
+      <p:sp>
+        <p:nvSpPr>
+          <p:cNvPr id="18" name="CuadroTexto 17">
+            <a:extLst>
+              <a:ext uri="{FF2B5EF4-FFF2-40B4-BE49-F238E27FC236}">
+                <a16:creationId xmlns:a16="http://schemas.microsoft.com/office/drawing/2014/main" id="{3E96368B-6EA0-B778-2B1A-D6C42F3AD9F0}"/>
+              </a:ext>
+            </a:extLst>
+          </p:cNvPr>
+          <p:cNvSpPr txBox="1"/>
+          <p:nvPr/>
+        </p:nvSpPr>
+        <p:spPr>
+          <a:xfrm>
+            <a:off x="8360884" y="4993594"/>
+            <a:ext cx="3000056" cy="646331"/>
+          </a:xfrm>
+          <a:prstGeom prst="rect">
+            <a:avLst/>
+          </a:prstGeom>
+        </p:spPr>
+        <p:style>
+          <a:lnRef idx="2">
+            <a:schemeClr val="accent2">
+              <a:shade val="15000"/>
+            </a:schemeClr>
+          </a:lnRef>
+          <a:fillRef idx="1">
+            <a:schemeClr val="accent2"/>
+          </a:fillRef>
+          <a:effectRef idx="0">
+            <a:schemeClr val="accent2"/>
+          </a:effectRef>
+          <a:fontRef idx="minor">
+            <a:schemeClr val="lt1"/>
+          </a:fontRef>
+        </p:style>
+        <p:txBody>
+          <a:bodyPr wrap="square" rtlCol="0">
+            <a:spAutoFit/>
+          </a:bodyPr>
+          <a:lstStyle/>
+          <a:p>
+            <a:pPr algn="ctr"/>
+            <a:r>
+              <a:rPr lang="es-MX" dirty="0"/>
+              <a:t>Inicialización del servidor web con </a:t>
+            </a:r>
+            <a:r>
+              <a:rPr lang="es-MX" dirty="0" err="1"/>
+              <a:t>Uvicorn</a:t>
+            </a:r>
+            <a:endParaRPr lang="es-CL" dirty="0"/>
+          </a:p>
+        </p:txBody>
+      </p:sp>
+      <p:sp>
+        <p:nvSpPr>
+          <p:cNvPr id="19" name="CuadroTexto 18">
+            <a:extLst>
+              <a:ext uri="{FF2B5EF4-FFF2-40B4-BE49-F238E27FC236}">
+                <a16:creationId xmlns:a16="http://schemas.microsoft.com/office/drawing/2014/main" id="{D846D7D5-830E-17D1-D0F3-1C31EC1DFCFF}"/>
+              </a:ext>
+            </a:extLst>
+          </p:cNvPr>
+          <p:cNvSpPr txBox="1"/>
+          <p:nvPr/>
+        </p:nvSpPr>
+        <p:spPr>
+          <a:xfrm>
+            <a:off x="8360888" y="3855462"/>
+            <a:ext cx="3000055" cy="369321"/>
+          </a:xfrm>
+          <a:prstGeom prst="rect">
+            <a:avLst/>
+          </a:prstGeom>
+        </p:spPr>
+        <p:style>
+          <a:lnRef idx="2">
+            <a:schemeClr val="accent2">
+              <a:shade val="15000"/>
+            </a:schemeClr>
+          </a:lnRef>
+          <a:fillRef idx="1">
+            <a:schemeClr val="accent2"/>
+          </a:fillRef>
+          <a:effectRef idx="0">
+            <a:schemeClr val="accent2"/>
+          </a:effectRef>
+          <a:fontRef idx="minor">
+            <a:schemeClr val="lt1"/>
+          </a:fontRef>
+        </p:style>
+        <p:txBody>
+          <a:bodyPr wrap="square" rtlCol="0">
+            <a:spAutoFit/>
+          </a:bodyPr>
+          <a:lstStyle/>
+          <a:p>
+            <a:pPr algn="ctr"/>
+            <a:r>
+              <a:rPr lang="es-MX" sz="1800" dirty="0" err="1"/>
+              <a:t>Endpoint</a:t>
+            </a:r>
+            <a:endParaRPr lang="es-MX" sz="1800" dirty="0"/>
+          </a:p>
+        </p:txBody>
+      </p:sp>
+      <p:pic>
+        <p:nvPicPr>
+          <p:cNvPr id="4" name="Imagen 3">
+            <a:extLst>
+              <a:ext uri="{FF2B5EF4-FFF2-40B4-BE49-F238E27FC236}">
+                <a16:creationId xmlns:a16="http://schemas.microsoft.com/office/drawing/2014/main" id="{37DA021C-F0A0-E53C-5152-814E8E72E7B5}"/>
+              </a:ext>
+            </a:extLst>
+          </p:cNvPr>
+          <p:cNvPicPr>
+            <a:picLocks noChangeAspect="1"/>
+          </p:cNvPicPr>
+          <p:nvPr/>
+        </p:nvPicPr>
+        <p:blipFill>
+          <a:blip r:embed="rId2"/>
+          <a:stretch>
+            <a:fillRect/>
+          </a:stretch>
+        </p:blipFill>
+        <p:spPr>
+          <a:xfrm>
+            <a:off x="2507610" y="303608"/>
+            <a:ext cx="2176502" cy="533400"/>
+          </a:xfrm>
+          <a:prstGeom prst="rect">
+            <a:avLst/>
+          </a:prstGeom>
+        </p:spPr>
+      </p:pic>
+      <p:pic>
+        <p:nvPicPr>
+          <p:cNvPr id="9" name="Imagen 8">
+            <a:extLst>
+              <a:ext uri="{FF2B5EF4-FFF2-40B4-BE49-F238E27FC236}">
+                <a16:creationId xmlns:a16="http://schemas.microsoft.com/office/drawing/2014/main" id="{EC223079-1971-DDA0-7729-B4ED6CF4EAD2}"/>
+              </a:ext>
+            </a:extLst>
+          </p:cNvPr>
+          <p:cNvPicPr>
+            <a:picLocks noChangeAspect="1"/>
+          </p:cNvPicPr>
+          <p:nvPr/>
+        </p:nvPicPr>
+        <p:blipFill>
+          <a:blip r:embed="rId3"/>
+          <a:stretch>
+            <a:fillRect/>
+          </a:stretch>
+        </p:blipFill>
+        <p:spPr>
+          <a:xfrm>
+            <a:off x="831057" y="1043683"/>
+            <a:ext cx="5529609" cy="4596242"/>
+          </a:xfrm>
+          <a:prstGeom prst="rect">
+            <a:avLst/>
+          </a:prstGeom>
+        </p:spPr>
+      </p:pic>
+    </p:spTree>
+    <p:extLst>
+      <p:ext uri="{BB962C8B-B14F-4D97-AF65-F5344CB8AC3E}">
+        <p14:creationId xmlns:p14="http://schemas.microsoft.com/office/powerpoint/2010/main" val="1227165583"/>
+      </p:ext>
+    </p:extLst>
+  </p:cSld>
+  <p:clrMapOvr>
+    <a:masterClrMapping/>
+  </p:clrMapOvr>
+</p:sld>
+</file>
+
+<file path=ppt/slides/slide7.xml><?xml version="1.0" encoding="utf-8"?>
+<p:sld xmlns:a="http://schemas.openxmlformats.org/drawingml/2006/main" xmlns:r="http://schemas.openxmlformats.org/officeDocument/2006/relationships" xmlns:p="http://schemas.openxmlformats.org/presentationml/2006/main">
+  <p:cSld>
+    <p:spTree>
+      <p:nvGrpSpPr>
+        <p:cNvPr id="1" name=""/>
+        <p:cNvGrpSpPr/>
+        <p:nvPr/>
+      </p:nvGrpSpPr>
+      <p:grpSpPr>
+        <a:xfrm>
+          <a:off x="0" y="0"/>
+          <a:ext cx="0" cy="0"/>
+          <a:chOff x="0" y="0"/>
+          <a:chExt cx="0" cy="0"/>
+        </a:xfrm>
+      </p:grpSpPr>
+      <p:sp>
+        <p:nvSpPr>
+          <p:cNvPr id="2" name="Título 1">
+            <a:extLst>
+              <a:ext uri="{FF2B5EF4-FFF2-40B4-BE49-F238E27FC236}">
+                <a16:creationId xmlns:a16="http://schemas.microsoft.com/office/drawing/2014/main" id="{8CCE0B5B-126E-75F9-B074-1E4EB26F54C4}"/>
+              </a:ext>
+            </a:extLst>
+          </p:cNvPr>
+          <p:cNvSpPr>
+            <a:spLocks noGrp="1"/>
+          </p:cNvSpPr>
+          <p:nvPr>
+            <p:ph type="title"/>
+          </p:nvPr>
+        </p:nvSpPr>
+        <p:spPr>
+          <a:xfrm>
+            <a:off x="480318" y="111978"/>
+            <a:ext cx="10131425" cy="461753"/>
+          </a:xfrm>
+        </p:spPr>
+        <p:txBody>
+          <a:bodyPr>
+            <a:normAutofit fontScale="90000"/>
+          </a:bodyPr>
+          <a:lstStyle/>
+          <a:p>
+            <a:r>
+              <a:rPr lang="es-MX" b="1" dirty="0">
+                <a:effectLst>
+                  <a:outerShdw blurRad="38100" dist="38100" dir="2700000" algn="tl">
+                    <a:srgbClr val="000000">
+                      <a:alpha val="43137"/>
+                    </a:srgbClr>
+                  </a:outerShdw>
+                </a:effectLst>
+              </a:rPr>
+              <a:t>INTERFAZ  y documentación de la API</a:t>
+            </a:r>
+            <a:endParaRPr lang="es-CL" b="1" dirty="0">
+              <a:effectLst>
+                <a:outerShdw blurRad="38100" dist="38100" dir="2700000" algn="tl">
+                  <a:srgbClr val="000000">
+                    <a:alpha val="43137"/>
+                  </a:srgbClr>
+                </a:outerShdw>
+              </a:effectLst>
+            </a:endParaRPr>
+          </a:p>
+        </p:txBody>
+      </p:sp>
+      <p:pic>
+        <p:nvPicPr>
+          <p:cNvPr id="5" name="Imagen 4">
+            <a:extLst>
+              <a:ext uri="{FF2B5EF4-FFF2-40B4-BE49-F238E27FC236}">
+                <a16:creationId xmlns:a16="http://schemas.microsoft.com/office/drawing/2014/main" id="{3B2CA849-854F-BAC0-C200-D2F715EDE46E}"/>
+              </a:ext>
+            </a:extLst>
+          </p:cNvPr>
+          <p:cNvPicPr>
+            <a:picLocks noChangeAspect="1"/>
+          </p:cNvPicPr>
+          <p:nvPr/>
+        </p:nvPicPr>
+        <p:blipFill>
+          <a:blip r:embed="rId2"/>
+          <a:stretch>
+            <a:fillRect/>
+          </a:stretch>
+        </p:blipFill>
+        <p:spPr>
+          <a:xfrm>
+            <a:off x="480318" y="4186708"/>
+            <a:ext cx="9626885" cy="1295591"/>
+          </a:xfrm>
+          <a:prstGeom prst="rect">
+            <a:avLst/>
+          </a:prstGeom>
+        </p:spPr>
+      </p:pic>
+      <p:pic>
+        <p:nvPicPr>
+          <p:cNvPr id="10" name="Imagen 9">
+            <a:extLst>
+              <a:ext uri="{FF2B5EF4-FFF2-40B4-BE49-F238E27FC236}">
+                <a16:creationId xmlns:a16="http://schemas.microsoft.com/office/drawing/2014/main" id="{453A1FE1-FCAB-FA6B-AEDB-1D00483FA10A}"/>
+              </a:ext>
+            </a:extLst>
+          </p:cNvPr>
+          <p:cNvPicPr>
+            <a:picLocks noChangeAspect="1"/>
+          </p:cNvPicPr>
+          <p:nvPr/>
+        </p:nvPicPr>
+        <p:blipFill>
+          <a:blip r:embed="rId3"/>
+          <a:stretch>
+            <a:fillRect/>
+          </a:stretch>
+        </p:blipFill>
+        <p:spPr>
+          <a:xfrm>
+            <a:off x="480318" y="674644"/>
+            <a:ext cx="9626885" cy="3279866"/>
+          </a:xfrm>
+          <a:prstGeom prst="rect">
+            <a:avLst/>
+          </a:prstGeom>
+        </p:spPr>
+      </p:pic>
+      <p:sp>
+        <p:nvSpPr>
+          <p:cNvPr id="11" name="CuadroTexto 10">
+            <a:extLst>
+              <a:ext uri="{FF2B5EF4-FFF2-40B4-BE49-F238E27FC236}">
+                <a16:creationId xmlns:a16="http://schemas.microsoft.com/office/drawing/2014/main" id="{D9441FE3-57F9-F281-5792-25432CBDF375}"/>
+              </a:ext>
+            </a:extLst>
+          </p:cNvPr>
+          <p:cNvSpPr txBox="1"/>
+          <p:nvPr/>
+        </p:nvSpPr>
+        <p:spPr>
+          <a:xfrm>
+            <a:off x="136783" y="5721691"/>
+            <a:ext cx="11729396" cy="1200329"/>
+          </a:xfrm>
+          <a:prstGeom prst="rect">
+            <a:avLst/>
+          </a:prstGeom>
+          <a:noFill/>
+        </p:spPr>
+        <p:style>
+          <a:lnRef idx="2">
+            <a:schemeClr val="accent6"/>
+          </a:lnRef>
+          <a:fillRef idx="1">
+            <a:schemeClr val="lt1"/>
+          </a:fillRef>
+          <a:effectRef idx="0">
+            <a:schemeClr val="accent6"/>
+          </a:effectRef>
+          <a:fontRef idx="minor">
+            <a:schemeClr val="dk1"/>
+          </a:fontRef>
+        </p:style>
+        <p:txBody>
+          <a:bodyPr wrap="square" rtlCol="0">
+            <a:spAutoFit/>
+          </a:bodyPr>
+          <a:lstStyle/>
+          <a:p>
+            <a:pPr algn="ctr"/>
+            <a:r>
+              <a:rPr lang="es-MX" dirty="0">
+                <a:solidFill>
+                  <a:schemeClr val="tx1"/>
+                </a:solidFill>
+              </a:rPr>
+              <a:t>Nota: Esto se hizo con </a:t>
+            </a:r>
+            <a:r>
+              <a:rPr lang="es-MX" dirty="0" err="1">
+                <a:solidFill>
+                  <a:schemeClr val="tx1"/>
+                </a:solidFill>
+              </a:rPr>
+              <a:t>Swagger</a:t>
+            </a:r>
+            <a:r>
+              <a:rPr lang="es-MX" dirty="0">
+                <a:solidFill>
+                  <a:schemeClr val="tx1"/>
+                </a:solidFill>
+              </a:rPr>
+              <a:t> (/</a:t>
+            </a:r>
+            <a:r>
+              <a:rPr lang="es-MX" dirty="0" err="1">
+                <a:solidFill>
+                  <a:schemeClr val="tx1"/>
+                </a:solidFill>
+              </a:rPr>
+              <a:t>docs</a:t>
+            </a:r>
+            <a:r>
+              <a:rPr lang="es-MX" dirty="0">
+                <a:solidFill>
+                  <a:schemeClr val="tx1"/>
+                </a:solidFill>
+              </a:rPr>
+              <a:t>). </a:t>
+            </a:r>
+            <a:r>
+              <a:rPr lang="es-MX" dirty="0" err="1">
+                <a:solidFill>
+                  <a:schemeClr val="tx1"/>
+                </a:solidFill>
+              </a:rPr>
+              <a:t>Swagger</a:t>
+            </a:r>
+            <a:r>
+              <a:rPr lang="es-MX" dirty="0">
+                <a:solidFill>
+                  <a:schemeClr val="tx1"/>
+                </a:solidFill>
+              </a:rPr>
+              <a:t> es una documentación online que se genera sobre una API. En esta herramienta, se puede ver todos los </a:t>
+            </a:r>
+            <a:r>
+              <a:rPr lang="es-MX" dirty="0" err="1">
+                <a:solidFill>
+                  <a:schemeClr val="tx1"/>
+                </a:solidFill>
+              </a:rPr>
+              <a:t>endpoints</a:t>
+            </a:r>
+            <a:r>
+              <a:rPr lang="es-MX" dirty="0">
+                <a:solidFill>
+                  <a:schemeClr val="tx1"/>
+                </a:solidFill>
+              </a:rPr>
+              <a:t> que se han desarrollado. Además, muestra cómo son los elementos o entrada de datos que debemos ingresar para que funcione la API. También nos permite probar la conexión entre la interfaz y </a:t>
+            </a:r>
+            <a:r>
+              <a:rPr lang="es-MX" dirty="0" err="1">
+                <a:solidFill>
+                  <a:schemeClr val="tx1"/>
+                </a:solidFill>
+              </a:rPr>
+              <a:t>Chatbox</a:t>
+            </a:r>
+            <a:r>
+              <a:rPr lang="es-MX" dirty="0">
+                <a:solidFill>
+                  <a:schemeClr val="tx1"/>
+                </a:solidFill>
+              </a:rPr>
+              <a:t>.</a:t>
+            </a:r>
+            <a:endParaRPr lang="es-CL" dirty="0">
+              <a:solidFill>
+                <a:schemeClr val="tx1"/>
+              </a:solidFill>
+            </a:endParaRPr>
+          </a:p>
+        </p:txBody>
+      </p:sp>
+    </p:spTree>
+    <p:extLst>
+      <p:ext uri="{BB962C8B-B14F-4D97-AF65-F5344CB8AC3E}">
+        <p14:creationId xmlns:p14="http://schemas.microsoft.com/office/powerpoint/2010/main" val="2916120239"/>
+      </p:ext>
+    </p:extLst>
+  </p:cSld>
+  <p:clrMapOvr>
+    <a:masterClrMapping/>
+  </p:clrMapOvr>
+</p:sld>
+</file>
+
+<file path=ppt/slides/slide8.xml><?xml version="1.0" encoding="utf-8"?>
 <p:sld xmlns:a="http://schemas.openxmlformats.org/drawingml/2006/main" xmlns:r="http://schemas.openxmlformats.org/officeDocument/2006/relationships" xmlns:p="http://schemas.openxmlformats.org/presentationml/2006/main">
   <p:cSld>
     <p:spTree>
@@ -16920,7 +17936,7 @@
                   </a:schemeClr>
                 </a:solidFill>
               </a:rPr>
-              <a:t>Jorge Sandoval / Juan Andrés Urbina / Daniela de quevedo</a:t>
+              <a:t>Jorge Sandoval / Juan Andrés Urbina</a:t>
             </a:r>
           </a:p>
         </p:txBody>
@@ -17999,21 +19015,21 @@
 </file>
 
 <file path=customXml/item2.xml><?xml version="1.0" encoding="utf-8"?>
+<p:properties xmlns:p="http://schemas.microsoft.com/office/2006/metadata/properties" xmlns:xsi="http://www.w3.org/2001/XMLSchema-instance" xmlns:pc="http://schemas.microsoft.com/office/infopath/2007/PartnerControls">
+  <documentManagement>
+    <Status xmlns="71af3243-3dd4-4a8d-8c0d-dd76da1f02a5">Not started</Status>
+    <MediaServiceKeyPoints xmlns="71af3243-3dd4-4a8d-8c0d-dd76da1f02a5" xsi:nil="true"/>
+  </documentManagement>
+</p:properties>
+</file>
+
+<file path=customXml/item3.xml><?xml version="1.0" encoding="utf-8"?>
 <?mso-contentType ?>
 <FormTemplates xmlns="http://schemas.microsoft.com/sharepoint/v3/contenttype/forms">
   <Display>DocumentLibraryForm</Display>
   <Edit>DocumentLibraryForm</Edit>
   <New>DocumentLibraryForm</New>
 </FormTemplates>
-</file>
-
-<file path=customXml/item3.xml><?xml version="1.0" encoding="utf-8"?>
-<p:properties xmlns:p="http://schemas.microsoft.com/office/2006/metadata/properties" xmlns:xsi="http://www.w3.org/2001/XMLSchema-instance" xmlns:pc="http://schemas.microsoft.com/office/infopath/2007/PartnerControls">
-  <documentManagement>
-    <Status xmlns="71af3243-3dd4-4a8d-8c0d-dd76da1f02a5">Not started</Status>
-    <MediaServiceKeyPoints xmlns="71af3243-3dd4-4a8d-8c0d-dd76da1f02a5" xsi:nil="true"/>
-  </documentManagement>
-</p:properties>
 </file>
 
 <file path=customXml/itemProps1.xml><?xml version="1.0" encoding="utf-8"?>
@@ -18036,14 +19052,6 @@
 </file>
 
 <file path=customXml/itemProps2.xml><?xml version="1.0" encoding="utf-8"?>
-<ds:datastoreItem xmlns:ds="http://schemas.openxmlformats.org/officeDocument/2006/customXml" ds:itemID="{A0D51BCB-0419-432E-B7F1-25548446A625}">
-  <ds:schemaRefs>
-    <ds:schemaRef ds:uri="http://schemas.microsoft.com/sharepoint/v3/contenttype/forms"/>
-  </ds:schemaRefs>
-</ds:datastoreItem>
-</file>
-
-<file path=customXml/itemProps3.xml><?xml version="1.0" encoding="utf-8"?>
 <ds:datastoreItem xmlns:ds="http://schemas.openxmlformats.org/officeDocument/2006/customXml" ds:itemID="{1F08B90B-70ED-4539-9C14-FB2728D9064F}">
   <ds:schemaRefs>
     <ds:schemaRef ds:uri="http://schemas.microsoft.com/office/2006/metadata/properties"/>
@@ -18051,4 +19059,12 @@
     <ds:schemaRef ds:uri="71af3243-3dd4-4a8d-8c0d-dd76da1f02a5"/>
   </ds:schemaRefs>
 </ds:datastoreItem>
+</file>
+
+<file path=customXml/itemProps3.xml><?xml version="1.0" encoding="utf-8"?>
+<ds:datastoreItem xmlns:ds="http://schemas.openxmlformats.org/officeDocument/2006/customXml" ds:itemID="{A0D51BCB-0419-432E-B7F1-25548446A625}">
+  <ds:schemaRefs>
+    <ds:schemaRef ds:uri="http://schemas.microsoft.com/sharepoint/v3/contenttype/forms"/>
+  </ds:schemaRefs>
+</ds:datastoreItem>
 </file>